--- a/Overlooked Gems 2018.pptx
+++ b/Overlooked Gems 2018.pptx
@@ -10525,6 +10525,13 @@
   <p:clrMapOvr>
     <a:overrideClrMapping bg1="dk1" tx1="lt1" bg2="dk2" tx2="lt2" accent1="accent1" accent2="accent2" accent3="accent3" accent4="accent4" accent5="accent5" accent6="accent6" hlink="hlink" folHlink="folHlink"/>
   </p:clrMapOvr>
+  <p:timing>
+    <p:tnLst>
+      <p:par>
+        <p:cTn id="1" dur="indefinite" restart="never" nodeType="tmRoot"/>
+      </p:par>
+    </p:tnLst>
+  </p:timing>
 </p:sld>
 </file>
 
@@ -10767,6 +10774,13 @@
   <p:clrMapOvr>
     <a:overrideClrMapping bg1="dk1" tx1="lt1" bg2="dk2" tx2="lt2" accent1="accent1" accent2="accent2" accent3="accent3" accent4="accent4" accent5="accent5" accent6="accent6" hlink="hlink" folHlink="folHlink"/>
   </p:clrMapOvr>
+  <p:timing>
+    <p:tnLst>
+      <p:par>
+        <p:cTn id="1" dur="indefinite" restart="never" nodeType="tmRoot"/>
+      </p:par>
+    </p:tnLst>
+  </p:timing>
 </p:sld>
 </file>
 
@@ -12151,6 +12165,13 @@
   <p:clrMapOvr>
     <a:overrideClrMapping bg1="dk1" tx1="lt1" bg2="dk2" tx2="lt2" accent1="accent1" accent2="accent2" accent3="accent3" accent4="accent4" accent5="accent5" accent6="accent6" hlink="hlink" folHlink="folHlink"/>
   </p:clrMapOvr>
+  <p:timing>
+    <p:tnLst>
+      <p:par>
+        <p:cTn id="1" dur="indefinite" restart="never" nodeType="tmRoot"/>
+      </p:par>
+    </p:tnLst>
+  </p:timing>
 </p:sld>
 </file>
 
@@ -12485,6 +12506,13 @@
   <p:clrMapOvr>
     <a:masterClrMapping/>
   </p:clrMapOvr>
+  <p:timing>
+    <p:tnLst>
+      <p:par>
+        <p:cTn id="1" dur="indefinite" restart="never" nodeType="tmRoot"/>
+      </p:par>
+    </p:tnLst>
+  </p:timing>
 </p:sld>
 </file>
 
@@ -13458,6 +13486,13 @@
   <p:clrMapOvr>
     <a:overrideClrMapping bg1="dk1" tx1="lt1" bg2="dk2" tx2="lt2" accent1="accent1" accent2="accent2" accent3="accent3" accent4="accent4" accent5="accent5" accent6="accent6" hlink="hlink" folHlink="folHlink"/>
   </p:clrMapOvr>
+  <p:timing>
+    <p:tnLst>
+      <p:par>
+        <p:cTn id="1" dur="indefinite" restart="never" nodeType="tmRoot"/>
+      </p:par>
+    </p:tnLst>
+  </p:timing>
 </p:sld>
 </file>
 
@@ -14294,6 +14329,13 @@
   <p:clrMapOvr>
     <a:masterClrMapping/>
   </p:clrMapOvr>
+  <p:timing>
+    <p:tnLst>
+      <p:par>
+        <p:cTn id="1" dur="indefinite" restart="never" nodeType="tmRoot"/>
+      </p:par>
+    </p:tnLst>
+  </p:timing>
 </p:sld>
 </file>
 
@@ -15056,13 +15098,24 @@
                   <a:schemeClr val="tx1"/>
                 </a:solidFill>
               </a:rPr>
-              <a:t>Last Name: Gems	Barcode: 222222</a:t>
+              <a:t>Last Name: </a:t>
             </a:r>
-            <a:endParaRPr lang="en-US" sz="3200" dirty="0">
-              <a:solidFill>
-                <a:schemeClr val="tx1"/>
-              </a:solidFill>
-            </a:endParaRPr>
+            <a:r>
+              <a:rPr lang="en-US" sz="3200" dirty="0" smtClean="0">
+                <a:solidFill>
+                  <a:schemeClr val="tx1"/>
+                </a:solidFill>
+              </a:rPr>
+              <a:t>Gems	</a:t>
+            </a:r>
+            <a:r>
+              <a:rPr lang="en-US" sz="3200" dirty="0">
+                <a:solidFill>
+                  <a:schemeClr val="tx1"/>
+                </a:solidFill>
+              </a:rPr>
+              <a:t>	Barcode: 222222</a:t>
+            </a:r>
           </a:p>
         </p:txBody>
       </p:sp>
@@ -15076,6 +15129,13 @@
   <p:clrMapOvr>
     <a:overrideClrMapping bg1="dk1" tx1="lt1" bg2="dk2" tx2="lt2" accent1="accent1" accent2="accent2" accent3="accent3" accent4="accent4" accent5="accent5" accent6="accent6" hlink="hlink" folHlink="folHlink"/>
   </p:clrMapOvr>
+  <p:timing>
+    <p:tnLst>
+      <p:par>
+        <p:cTn id="1" dur="indefinite" restart="never" nodeType="tmRoot"/>
+      </p:par>
+    </p:tnLst>
+  </p:timing>
 </p:sld>
 </file>
 
@@ -16012,6 +16072,13 @@
   <p:clrMapOvr>
     <a:overrideClrMapping bg1="dk1" tx1="lt1" bg2="dk2" tx2="lt2" accent1="accent1" accent2="accent2" accent3="accent3" accent4="accent4" accent5="accent5" accent6="accent6" hlink="hlink" folHlink="folHlink"/>
   </p:clrMapOvr>
+  <p:timing>
+    <p:tnLst>
+      <p:par>
+        <p:cTn id="1" dur="indefinite" restart="never" nodeType="tmRoot"/>
+      </p:par>
+    </p:tnLst>
+  </p:timing>
 </p:sld>
 </file>
 
@@ -16861,6 +16928,13 @@
   <p:clrMapOvr>
     <a:overrideClrMapping bg1="dk1" tx1="lt1" bg2="dk2" tx2="lt2" accent1="accent1" accent2="accent2" accent3="accent3" accent4="accent4" accent5="accent5" accent6="accent6" hlink="hlink" folHlink="folHlink"/>
   </p:clrMapOvr>
+  <p:timing>
+    <p:tnLst>
+      <p:par>
+        <p:cTn id="1" dur="indefinite" restart="never" nodeType="tmRoot"/>
+      </p:par>
+    </p:tnLst>
+  </p:timing>
 </p:sld>
 </file>
 
@@ -17637,6 +17711,13 @@
   <p:clrMapOvr>
     <a:overrideClrMapping bg1="dk1" tx1="lt1" bg2="dk2" tx2="lt2" accent1="accent1" accent2="accent2" accent3="accent3" accent4="accent4" accent5="accent5" accent6="accent6" hlink="hlink" folHlink="folHlink"/>
   </p:clrMapOvr>
+  <p:timing>
+    <p:tnLst>
+      <p:par>
+        <p:cTn id="1" dur="indefinite" restart="never" nodeType="tmRoot"/>
+      </p:par>
+    </p:tnLst>
+  </p:timing>
 </p:sld>
 </file>
 
